--- a/presentation.pptx
+++ b/presentation.pptx
@@ -8,9 +8,9 @@
     <p:sldId id="256" r:id="rId2"/>
     <p:sldId id="257" r:id="rId3"/>
     <p:sldId id="261" r:id="rId4"/>
-    <p:sldId id="258" r:id="rId5"/>
-    <p:sldId id="259" r:id="rId6"/>
-    <p:sldId id="260" r:id="rId7"/>
+    <p:sldId id="260" r:id="rId5"/>
+    <p:sldId id="258" r:id="rId6"/>
+    <p:sldId id="259" r:id="rId7"/>
   </p:sldIdLst>
   <p:sldSz cx="12192000" cy="6858000"/>
   <p:notesSz cx="6858000" cy="9144000"/>
@@ -109,6 +109,11 @@
       </a:defRPr>
     </a:lvl9pPr>
   </p:defaultTextStyle>
+  <p:extLst>
+    <p:ext uri="{EFAFB233-063F-42B5-8137-9DF3F51BA10A}">
+      <p15:sldGuideLst xmlns:p15="http://schemas.microsoft.com/office/powerpoint/2012/main"/>
+    </p:ext>
+  </p:extLst>
 </p:presentation>
 </file>
 
@@ -259,7 +264,7 @@
           <a:p>
             <a:fld id="{6A4B53A7-3209-46A6-9454-F38EAC8F11E7}" type="datetimeFigureOut">
               <a:rPr lang="en-US" smtClean="0"/>
-              <a:t>12/4/2022</a:t>
+              <a:t>12/5/2022</a:t>
             </a:fld>
             <a:endParaRPr lang="en-US"/>
           </a:p>
@@ -510,7 +515,7 @@
           <a:p>
             <a:fld id="{6A4B53A7-3209-46A6-9454-F38EAC8F11E7}" type="datetimeFigureOut">
               <a:rPr lang="en-US" smtClean="0"/>
-              <a:t>12/4/2022</a:t>
+              <a:t>12/5/2022</a:t>
             </a:fld>
             <a:endParaRPr lang="en-US"/>
           </a:p>
@@ -771,7 +776,7 @@
           <a:p>
             <a:fld id="{6A4B53A7-3209-46A6-9454-F38EAC8F11E7}" type="datetimeFigureOut">
               <a:rPr lang="en-US" smtClean="0"/>
-              <a:t>12/4/2022</a:t>
+              <a:t>12/5/2022</a:t>
             </a:fld>
             <a:endParaRPr lang="en-US"/>
           </a:p>
@@ -1022,7 +1027,7 @@
           <a:p>
             <a:fld id="{6A4B53A7-3209-46A6-9454-F38EAC8F11E7}" type="datetimeFigureOut">
               <a:rPr lang="en-US" smtClean="0"/>
-              <a:t>12/4/2022</a:t>
+              <a:t>12/5/2022</a:t>
             </a:fld>
             <a:endParaRPr lang="en-US"/>
           </a:p>
@@ -1350,7 +1355,7 @@
           <a:p>
             <a:fld id="{6A4B53A7-3209-46A6-9454-F38EAC8F11E7}" type="datetimeFigureOut">
               <a:rPr lang="en-US" smtClean="0"/>
-              <a:t>12/4/2022</a:t>
+              <a:t>12/5/2022</a:t>
             </a:fld>
             <a:endParaRPr lang="en-US"/>
           </a:p>
@@ -1668,7 +1673,7 @@
           <a:p>
             <a:fld id="{6A4B53A7-3209-46A6-9454-F38EAC8F11E7}" type="datetimeFigureOut">
               <a:rPr lang="en-US" smtClean="0"/>
-              <a:t>12/4/2022</a:t>
+              <a:t>12/5/2022</a:t>
             </a:fld>
             <a:endParaRPr lang="en-US"/>
           </a:p>
@@ -2133,7 +2138,7 @@
           <a:p>
             <a:fld id="{6A4B53A7-3209-46A6-9454-F38EAC8F11E7}" type="datetimeFigureOut">
               <a:rPr lang="en-US" smtClean="0"/>
-              <a:t>12/4/2022</a:t>
+              <a:t>12/5/2022</a:t>
             </a:fld>
             <a:endParaRPr lang="en-US"/>
           </a:p>
@@ -2327,7 +2332,7 @@
           <a:p>
             <a:fld id="{6A4B53A7-3209-46A6-9454-F38EAC8F11E7}" type="datetimeFigureOut">
               <a:rPr lang="en-US" smtClean="0"/>
-              <a:t>12/4/2022</a:t>
+              <a:t>12/5/2022</a:t>
             </a:fld>
             <a:endParaRPr lang="en-US"/>
           </a:p>
@@ -2493,7 +2498,7 @@
           <a:p>
             <a:fld id="{6A4B53A7-3209-46A6-9454-F38EAC8F11E7}" type="datetimeFigureOut">
               <a:rPr lang="en-US" smtClean="0"/>
-              <a:t>12/4/2022</a:t>
+              <a:t>12/5/2022</a:t>
             </a:fld>
             <a:endParaRPr lang="en-US"/>
           </a:p>
@@ -2857,7 +2862,7 @@
           <a:p>
             <a:fld id="{6A4B53A7-3209-46A6-9454-F38EAC8F11E7}" type="datetimeFigureOut">
               <a:rPr lang="en-US" smtClean="0"/>
-              <a:t>12/4/2022</a:t>
+              <a:t>12/5/2022</a:t>
             </a:fld>
             <a:endParaRPr lang="en-US"/>
           </a:p>
@@ -3201,7 +3206,7 @@
           <a:p>
             <a:fld id="{6A4B53A7-3209-46A6-9454-F38EAC8F11E7}" type="datetimeFigureOut">
               <a:rPr lang="en-US" smtClean="0"/>
-              <a:t>12/4/2022</a:t>
+              <a:t>12/5/2022</a:t>
             </a:fld>
             <a:endParaRPr lang="en-US"/>
           </a:p>
@@ -3496,7 +3501,7 @@
             <a:fld id="{6A4B53A7-3209-46A6-9454-F38EAC8F11E7}" type="datetimeFigureOut">
               <a:rPr lang="en-US" smtClean="0"/>
               <a:pPr/>
-              <a:t>12/4/2022</a:t>
+              <a:t>12/5/2022</a:t>
             </a:fld>
             <a:endParaRPr lang="en-US" dirty="0"/>
           </a:p>
@@ -5564,26 +5569,28 @@
           <a:lstStyle/>
           <a:p>
             <a:r>
-              <a:rPr lang="fr-CH" sz="1800"/>
+              <a:rPr lang="fr-CH" sz="1800" dirty="0"/>
               <a:t>Introduction</a:t>
             </a:r>
           </a:p>
           <a:p>
             <a:r>
-              <a:rPr lang="fr-CH" sz="1800"/>
+              <a:rPr lang="fr-CH" sz="1800" dirty="0" err="1"/>
+              <a:t>Demo</a:t>
+            </a:r>
+            <a:endParaRPr lang="fr-CH" sz="1800" dirty="0"/>
+          </a:p>
+          <a:p>
+            <a:r>
+              <a:rPr lang="fr-CH" sz="1800" dirty="0" err="1"/>
               <a:t>MockMock</a:t>
             </a:r>
-          </a:p>
-          <a:p>
-            <a:r>
-              <a:rPr lang="fr-CH" sz="1800"/>
+            <a:endParaRPr lang="fr-CH" sz="1800" dirty="0"/>
+          </a:p>
+          <a:p>
+            <a:r>
+              <a:rPr lang="fr-CH" sz="1800" dirty="0"/>
               <a:t>Docker</a:t>
-            </a:r>
-          </a:p>
-          <a:p>
-            <a:r>
-              <a:rPr lang="fr-CH" sz="1800"/>
-              <a:t>Demo</a:t>
             </a:r>
           </a:p>
         </p:txBody>
@@ -6547,6 +6554,699 @@
           <a:chExt cx="0" cy="0"/>
         </a:xfrm>
       </p:grpSpPr>
+      <p:cxnSp>
+        <p:nvCxnSpPr>
+          <p:cNvPr id="10" name="Straight Connector 9">
+            <a:extLst>
+              <a:ext uri="{FF2B5EF4-FFF2-40B4-BE49-F238E27FC236}">
+                <a16:creationId xmlns:a16="http://schemas.microsoft.com/office/drawing/2014/main" id="{D1B787A8-0D67-4B7E-9B48-86BD906AB6B5}"/>
+              </a:ext>
+              <a:ext uri="{C183D7F6-B498-43B3-948B-1728B52AA6E4}">
+                <adec:decorative xmlns:adec="http://schemas.microsoft.com/office/drawing/2017/decorative" val="1"/>
+              </a:ext>
+            </a:extLst>
+          </p:cNvPr>
+          <p:cNvCxnSpPr>
+            <a:cxnSpLocks noGrp="1" noRot="1" noChangeAspect="1" noMove="1" noResize="1" noEditPoints="1" noAdjustHandles="1" noChangeArrowheads="1" noChangeShapeType="1"/>
+          </p:cNvCxnSpPr>
+          <p:nvPr>
+            <p:extLst>
+              <p:ext uri="{386F3935-93C4-4BCD-93E2-E3B085C9AB24}">
+                <p16:designElem xmlns:p16="http://schemas.microsoft.com/office/powerpoint/2015/main" val="1"/>
+              </p:ext>
+            </p:extLst>
+          </p:nvPr>
+        </p:nvCxnSpPr>
+        <p:spPr>
+          <a:xfrm>
+            <a:off x="715890" y="1114050"/>
+            <a:ext cx="0" cy="5735637"/>
+          </a:xfrm>
+          <a:prstGeom prst="line">
+            <a:avLst/>
+          </a:prstGeom>
+          <a:ln w="25400" cap="sq">
+            <a:gradFill flip="none" rotWithShape="1">
+              <a:gsLst>
+                <a:gs pos="0">
+                  <a:schemeClr val="accent2"/>
+                </a:gs>
+                <a:gs pos="100000">
+                  <a:schemeClr val="accent4"/>
+                </a:gs>
+              </a:gsLst>
+              <a:lin ang="16200000" scaled="1"/>
+              <a:tileRect/>
+            </a:gradFill>
+            <a:bevel/>
+          </a:ln>
+        </p:spPr>
+        <p:style>
+          <a:lnRef idx="1">
+            <a:schemeClr val="accent1"/>
+          </a:lnRef>
+          <a:fillRef idx="0">
+            <a:schemeClr val="accent1"/>
+          </a:fillRef>
+          <a:effectRef idx="0">
+            <a:schemeClr val="accent1"/>
+          </a:effectRef>
+          <a:fontRef idx="minor">
+            <a:schemeClr val="tx1"/>
+          </a:fontRef>
+        </p:style>
+      </p:cxnSp>
+      <p:sp>
+        <p:nvSpPr>
+          <p:cNvPr id="12" name="Rectangle 11">
+            <a:extLst>
+              <a:ext uri="{FF2B5EF4-FFF2-40B4-BE49-F238E27FC236}">
+                <a16:creationId xmlns:a16="http://schemas.microsoft.com/office/drawing/2014/main" id="{158B3569-73B2-4D05-8E95-886A6EE17F1F}"/>
+              </a:ext>
+              <a:ext uri="{C183D7F6-B498-43B3-948B-1728B52AA6E4}">
+                <adec:decorative xmlns:adec="http://schemas.microsoft.com/office/drawing/2017/decorative" val="1"/>
+              </a:ext>
+            </a:extLst>
+          </p:cNvPr>
+          <p:cNvSpPr>
+            <a:spLocks noGrp="1" noRot="1" noChangeAspect="1" noMove="1" noResize="1" noEditPoints="1" noAdjustHandles="1" noChangeArrowheads="1" noChangeShapeType="1" noTextEdit="1"/>
+          </p:cNvSpPr>
+          <p:nvPr>
+            <p:extLst>
+              <p:ext uri="{386F3935-93C4-4BCD-93E2-E3B085C9AB24}">
+                <p16:designElem xmlns:p16="http://schemas.microsoft.com/office/powerpoint/2015/main" val="1"/>
+              </p:ext>
+            </p:extLst>
+          </p:nvPr>
+        </p:nvSpPr>
+        <p:spPr>
+          <a:xfrm>
+            <a:off x="0" y="0"/>
+            <a:ext cx="12192000" cy="6858000"/>
+          </a:xfrm>
+          <a:prstGeom prst="rect">
+            <a:avLst/>
+          </a:prstGeom>
+          <a:gradFill flip="none" rotWithShape="1">
+            <a:gsLst>
+              <a:gs pos="100000">
+                <a:schemeClr val="accent4"/>
+              </a:gs>
+              <a:gs pos="0">
+                <a:schemeClr val="accent2"/>
+              </a:gs>
+            </a:gsLst>
+            <a:lin ang="2700000" scaled="1"/>
+            <a:tileRect/>
+          </a:gradFill>
+          <a:ln>
+            <a:noFill/>
+          </a:ln>
+        </p:spPr>
+        <p:style>
+          <a:lnRef idx="2">
+            <a:schemeClr val="accent1">
+              <a:shade val="50000"/>
+            </a:schemeClr>
+          </a:lnRef>
+          <a:fillRef idx="1">
+            <a:schemeClr val="accent1"/>
+          </a:fillRef>
+          <a:effectRef idx="0">
+            <a:schemeClr val="accent1"/>
+          </a:effectRef>
+          <a:fontRef idx="minor">
+            <a:schemeClr val="lt1"/>
+          </a:fontRef>
+        </p:style>
+        <p:txBody>
+          <a:bodyPr rtlCol="0" anchor="ctr"/>
+          <a:lstStyle/>
+          <a:p>
+            <a:pPr algn="ctr"/>
+            <a:endParaRPr lang="en-US"/>
+          </a:p>
+        </p:txBody>
+      </p:sp>
+      <p:sp>
+        <p:nvSpPr>
+          <p:cNvPr id="14" name="Graphic 17">
+            <a:extLst>
+              <a:ext uri="{FF2B5EF4-FFF2-40B4-BE49-F238E27FC236}">
+                <a16:creationId xmlns:a16="http://schemas.microsoft.com/office/drawing/2014/main" id="{B71758F4-3F46-45DA-8AC5-4E508DA080BA}"/>
+              </a:ext>
+              <a:ext uri="{C183D7F6-B498-43B3-948B-1728B52AA6E4}">
+                <adec:decorative xmlns:adec="http://schemas.microsoft.com/office/drawing/2017/decorative" val="1"/>
+              </a:ext>
+            </a:extLst>
+          </p:cNvPr>
+          <p:cNvSpPr>
+            <a:spLocks noGrp="1" noRot="1" noChangeAspect="1" noMove="1" noResize="1" noEditPoints="1" noAdjustHandles="1" noChangeArrowheads="1" noChangeShapeType="1" noTextEdit="1"/>
+          </p:cNvSpPr>
+          <p:nvPr>
+            <p:extLst>
+              <p:ext uri="{386F3935-93C4-4BCD-93E2-E3B085C9AB24}">
+                <p16:designElem xmlns:p16="http://schemas.microsoft.com/office/powerpoint/2015/main" val="1"/>
+              </p:ext>
+            </p:extLst>
+          </p:nvPr>
+        </p:nvSpPr>
+        <p:spPr>
+          <a:xfrm>
+            <a:off x="11512034" y="1267063"/>
+            <a:ext cx="139037" cy="139039"/>
+          </a:xfrm>
+          <a:custGeom>
+            <a:avLst/>
+            <a:gdLst>
+              <a:gd name="connsiteX0" fmla="*/ 129600 w 139037"/>
+              <a:gd name="connsiteY0" fmla="*/ 60082 h 139039"/>
+              <a:gd name="connsiteX1" fmla="*/ 78955 w 139037"/>
+              <a:gd name="connsiteY1" fmla="*/ 60082 h 139039"/>
+              <a:gd name="connsiteX2" fmla="*/ 78955 w 139037"/>
+              <a:gd name="connsiteY2" fmla="*/ 9437 h 139039"/>
+              <a:gd name="connsiteX3" fmla="*/ 69519 w 139037"/>
+              <a:gd name="connsiteY3" fmla="*/ 0 h 139039"/>
+              <a:gd name="connsiteX4" fmla="*/ 60082 w 139037"/>
+              <a:gd name="connsiteY4" fmla="*/ 9437 h 139039"/>
+              <a:gd name="connsiteX5" fmla="*/ 60082 w 139037"/>
+              <a:gd name="connsiteY5" fmla="*/ 60082 h 139039"/>
+              <a:gd name="connsiteX6" fmla="*/ 9437 w 139037"/>
+              <a:gd name="connsiteY6" fmla="*/ 60082 h 139039"/>
+              <a:gd name="connsiteX7" fmla="*/ 0 w 139037"/>
+              <a:gd name="connsiteY7" fmla="*/ 69520 h 139039"/>
+              <a:gd name="connsiteX8" fmla="*/ 9437 w 139037"/>
+              <a:gd name="connsiteY8" fmla="*/ 78957 h 139039"/>
+              <a:gd name="connsiteX9" fmla="*/ 60082 w 139037"/>
+              <a:gd name="connsiteY9" fmla="*/ 78957 h 139039"/>
+              <a:gd name="connsiteX10" fmla="*/ 60082 w 139037"/>
+              <a:gd name="connsiteY10" fmla="*/ 129602 h 139039"/>
+              <a:gd name="connsiteX11" fmla="*/ 69519 w 139037"/>
+              <a:gd name="connsiteY11" fmla="*/ 139039 h 139039"/>
+              <a:gd name="connsiteX12" fmla="*/ 78955 w 139037"/>
+              <a:gd name="connsiteY12" fmla="*/ 129602 h 139039"/>
+              <a:gd name="connsiteX13" fmla="*/ 78955 w 139037"/>
+              <a:gd name="connsiteY13" fmla="*/ 78957 h 139039"/>
+              <a:gd name="connsiteX14" fmla="*/ 129600 w 139037"/>
+              <a:gd name="connsiteY14" fmla="*/ 78957 h 139039"/>
+              <a:gd name="connsiteX15" fmla="*/ 139037 w 139037"/>
+              <a:gd name="connsiteY15" fmla="*/ 69520 h 139039"/>
+              <a:gd name="connsiteX16" fmla="*/ 129600 w 139037"/>
+              <a:gd name="connsiteY16" fmla="*/ 60082 h 139039"/>
+            </a:gdLst>
+            <a:ahLst/>
+            <a:cxnLst>
+              <a:cxn ang="0">
+                <a:pos x="connsiteX0" y="connsiteY0"/>
+              </a:cxn>
+              <a:cxn ang="0">
+                <a:pos x="connsiteX1" y="connsiteY1"/>
+              </a:cxn>
+              <a:cxn ang="0">
+                <a:pos x="connsiteX2" y="connsiteY2"/>
+              </a:cxn>
+              <a:cxn ang="0">
+                <a:pos x="connsiteX3" y="connsiteY3"/>
+              </a:cxn>
+              <a:cxn ang="0">
+                <a:pos x="connsiteX4" y="connsiteY4"/>
+              </a:cxn>
+              <a:cxn ang="0">
+                <a:pos x="connsiteX5" y="connsiteY5"/>
+              </a:cxn>
+              <a:cxn ang="0">
+                <a:pos x="connsiteX6" y="connsiteY6"/>
+              </a:cxn>
+              <a:cxn ang="0">
+                <a:pos x="connsiteX7" y="connsiteY7"/>
+              </a:cxn>
+              <a:cxn ang="0">
+                <a:pos x="connsiteX8" y="connsiteY8"/>
+              </a:cxn>
+              <a:cxn ang="0">
+                <a:pos x="connsiteX9" y="connsiteY9"/>
+              </a:cxn>
+              <a:cxn ang="0">
+                <a:pos x="connsiteX10" y="connsiteY10"/>
+              </a:cxn>
+              <a:cxn ang="0">
+                <a:pos x="connsiteX11" y="connsiteY11"/>
+              </a:cxn>
+              <a:cxn ang="0">
+                <a:pos x="connsiteX12" y="connsiteY12"/>
+              </a:cxn>
+              <a:cxn ang="0">
+                <a:pos x="connsiteX13" y="connsiteY13"/>
+              </a:cxn>
+              <a:cxn ang="0">
+                <a:pos x="connsiteX14" y="connsiteY14"/>
+              </a:cxn>
+              <a:cxn ang="0">
+                <a:pos x="connsiteX15" y="connsiteY15"/>
+              </a:cxn>
+              <a:cxn ang="0">
+                <a:pos x="connsiteX16" y="connsiteY16"/>
+              </a:cxn>
+            </a:cxnLst>
+            <a:rect l="l" t="t" r="r" b="b"/>
+            <a:pathLst>
+              <a:path w="139037" h="139039">
+                <a:moveTo>
+                  <a:pt x="129600" y="60082"/>
+                </a:moveTo>
+                <a:lnTo>
+                  <a:pt x="78955" y="60082"/>
+                </a:lnTo>
+                <a:lnTo>
+                  <a:pt x="78955" y="9437"/>
+                </a:lnTo>
+                <a:cubicBezTo>
+                  <a:pt x="78955" y="4225"/>
+                  <a:pt x="74730" y="0"/>
+                  <a:pt x="69519" y="0"/>
+                </a:cubicBezTo>
+                <a:cubicBezTo>
+                  <a:pt x="64307" y="0"/>
+                  <a:pt x="60082" y="4225"/>
+                  <a:pt x="60082" y="9437"/>
+                </a:cubicBezTo>
+                <a:lnTo>
+                  <a:pt x="60082" y="60082"/>
+                </a:lnTo>
+                <a:lnTo>
+                  <a:pt x="9437" y="60082"/>
+                </a:lnTo>
+                <a:cubicBezTo>
+                  <a:pt x="4225" y="60082"/>
+                  <a:pt x="0" y="64308"/>
+                  <a:pt x="0" y="69520"/>
+                </a:cubicBezTo>
+                <a:cubicBezTo>
+                  <a:pt x="0" y="74731"/>
+                  <a:pt x="4225" y="78957"/>
+                  <a:pt x="9437" y="78957"/>
+                </a:cubicBezTo>
+                <a:lnTo>
+                  <a:pt x="60082" y="78957"/>
+                </a:lnTo>
+                <a:lnTo>
+                  <a:pt x="60082" y="129602"/>
+                </a:lnTo>
+                <a:cubicBezTo>
+                  <a:pt x="60082" y="134814"/>
+                  <a:pt x="64307" y="139039"/>
+                  <a:pt x="69519" y="139039"/>
+                </a:cubicBezTo>
+                <a:cubicBezTo>
+                  <a:pt x="74730" y="139039"/>
+                  <a:pt x="78955" y="134814"/>
+                  <a:pt x="78955" y="129602"/>
+                </a:cubicBezTo>
+                <a:lnTo>
+                  <a:pt x="78955" y="78957"/>
+                </a:lnTo>
+                <a:lnTo>
+                  <a:pt x="129600" y="78957"/>
+                </a:lnTo>
+                <a:cubicBezTo>
+                  <a:pt x="134812" y="78957"/>
+                  <a:pt x="139037" y="74731"/>
+                  <a:pt x="139037" y="69520"/>
+                </a:cubicBezTo>
+                <a:cubicBezTo>
+                  <a:pt x="139037" y="64308"/>
+                  <a:pt x="134812" y="60082"/>
+                  <a:pt x="129600" y="60082"/>
+                </a:cubicBezTo>
+                <a:close/>
+              </a:path>
+            </a:pathLst>
+          </a:custGeom>
+          <a:solidFill>
+            <a:schemeClr val="bg1"/>
+          </a:solidFill>
+          <a:ln w="603" cap="flat">
+            <a:noFill/>
+            <a:prstDash val="solid"/>
+            <a:miter/>
+          </a:ln>
+        </p:spPr>
+        <p:txBody>
+          <a:bodyPr rtlCol="0" anchor="ctr"/>
+          <a:lstStyle/>
+          <a:p>
+            <a:endParaRPr lang="en-US"/>
+          </a:p>
+        </p:txBody>
+      </p:sp>
+      <p:cxnSp>
+        <p:nvCxnSpPr>
+          <p:cNvPr id="16" name="Straight Connector 15">
+            <a:extLst>
+              <a:ext uri="{FF2B5EF4-FFF2-40B4-BE49-F238E27FC236}">
+                <a16:creationId xmlns:a16="http://schemas.microsoft.com/office/drawing/2014/main" id="{56020367-4FD5-4596-8E10-C5F095CD8DBF}"/>
+              </a:ext>
+              <a:ext uri="{C183D7F6-B498-43B3-948B-1728B52AA6E4}">
+                <adec:decorative xmlns:adec="http://schemas.microsoft.com/office/drawing/2017/decorative" val="1"/>
+              </a:ext>
+            </a:extLst>
+          </p:cNvPr>
+          <p:cNvCxnSpPr>
+            <a:cxnSpLocks noGrp="1" noRot="1" noChangeAspect="1" noMove="1" noResize="1" noEditPoints="1" noAdjustHandles="1" noChangeArrowheads="1" noChangeShapeType="1"/>
+          </p:cNvCxnSpPr>
+          <p:nvPr>
+            <p:extLst>
+              <p:ext uri="{386F3935-93C4-4BCD-93E2-E3B085C9AB24}">
+                <p16:designElem xmlns:p16="http://schemas.microsoft.com/office/powerpoint/2015/main" val="1"/>
+              </p:ext>
+            </p:extLst>
+          </p:nvPr>
+        </p:nvCxnSpPr>
+        <p:spPr>
+          <a:xfrm>
+            <a:off x="5447322" y="1589368"/>
+            <a:ext cx="0" cy="5259754"/>
+          </a:xfrm>
+          <a:prstGeom prst="line">
+            <a:avLst/>
+          </a:prstGeom>
+          <a:ln w="25400" cap="sq">
+            <a:solidFill>
+              <a:schemeClr val="bg1"/>
+            </a:solidFill>
+            <a:bevel/>
+          </a:ln>
+        </p:spPr>
+        <p:style>
+          <a:lnRef idx="1">
+            <a:schemeClr val="accent1"/>
+          </a:lnRef>
+          <a:fillRef idx="0">
+            <a:schemeClr val="accent1"/>
+          </a:fillRef>
+          <a:effectRef idx="0">
+            <a:schemeClr val="accent1"/>
+          </a:effectRef>
+          <a:fontRef idx="minor">
+            <a:schemeClr val="tx1"/>
+          </a:fontRef>
+        </p:style>
+      </p:cxnSp>
+      <p:pic>
+        <p:nvPicPr>
+          <p:cNvPr id="7" name="Graphic 6" descr="Écran">
+            <a:extLst>
+              <a:ext uri="{FF2B5EF4-FFF2-40B4-BE49-F238E27FC236}">
+                <a16:creationId xmlns:a16="http://schemas.microsoft.com/office/drawing/2014/main" id="{AF58664B-C827-513A-E140-99DED95C97B3}"/>
+              </a:ext>
+            </a:extLst>
+          </p:cNvPr>
+          <p:cNvPicPr>
+            <a:picLocks noChangeAspect="1"/>
+          </p:cNvPicPr>
+          <p:nvPr/>
+        </p:nvPicPr>
+        <p:blipFill>
+          <a:blip r:embed="rId2">
+            <a:extLst>
+              <a:ext uri="{28A0092B-C50C-407E-A947-70E740481C1C}">
+                <a14:useLocalDpi xmlns:a14="http://schemas.microsoft.com/office/drawing/2010/main" val="0"/>
+              </a:ext>
+              <a:ext uri="{96DAC541-7B7A-43D3-8B79-37D633B846F1}">
+                <asvg:svgBlip xmlns:asvg="http://schemas.microsoft.com/office/drawing/2016/SVG/main" r:embed="rId3"/>
+              </a:ext>
+            </a:extLst>
+          </a:blip>
+          <a:stretch>
+            <a:fillRect/>
+          </a:stretch>
+        </p:blipFill>
+        <p:spPr>
+          <a:xfrm>
+            <a:off x="6380106" y="1598246"/>
+            <a:ext cx="4783504" cy="4783504"/>
+          </a:xfrm>
+          <a:prstGeom prst="rect">
+            <a:avLst/>
+          </a:prstGeom>
+        </p:spPr>
+      </p:pic>
+      <p:sp>
+        <p:nvSpPr>
+          <p:cNvPr id="18" name="Graphic 21">
+            <a:extLst>
+              <a:ext uri="{FF2B5EF4-FFF2-40B4-BE49-F238E27FC236}">
+                <a16:creationId xmlns:a16="http://schemas.microsoft.com/office/drawing/2014/main" id="{8D61482F-F3C5-4D66-8C5D-C6BBE3E1275C}"/>
+              </a:ext>
+              <a:ext uri="{C183D7F6-B498-43B3-948B-1728B52AA6E4}">
+                <adec:decorative xmlns:adec="http://schemas.microsoft.com/office/drawing/2017/decorative" val="1"/>
+              </a:ext>
+            </a:extLst>
+          </p:cNvPr>
+          <p:cNvSpPr>
+            <a:spLocks noGrp="1" noRot="1" noChangeAspect="1" noMove="1" noResize="1" noEditPoints="1" noAdjustHandles="1" noChangeArrowheads="1" noChangeShapeType="1" noTextEdit="1"/>
+          </p:cNvSpPr>
+          <p:nvPr>
+            <p:extLst>
+              <p:ext uri="{386F3935-93C4-4BCD-93E2-E3B085C9AB24}">
+                <p16:designElem xmlns:p16="http://schemas.microsoft.com/office/powerpoint/2015/main" val="1"/>
+              </p:ext>
+            </p:extLst>
+          </p:nvPr>
+        </p:nvSpPr>
+        <p:spPr>
+          <a:xfrm>
+            <a:off x="11752801" y="1659316"/>
+            <a:ext cx="127713" cy="127714"/>
+          </a:xfrm>
+          <a:custGeom>
+            <a:avLst/>
+            <a:gdLst>
+              <a:gd name="connsiteX0" fmla="*/ 63857 w 127713"/>
+              <a:gd name="connsiteY0" fmla="*/ 18874 h 127714"/>
+              <a:gd name="connsiteX1" fmla="*/ 108839 w 127713"/>
+              <a:gd name="connsiteY1" fmla="*/ 63857 h 127714"/>
+              <a:gd name="connsiteX2" fmla="*/ 63857 w 127713"/>
+              <a:gd name="connsiteY2" fmla="*/ 108840 h 127714"/>
+              <a:gd name="connsiteX3" fmla="*/ 18874 w 127713"/>
+              <a:gd name="connsiteY3" fmla="*/ 63857 h 127714"/>
+              <a:gd name="connsiteX4" fmla="*/ 63857 w 127713"/>
+              <a:gd name="connsiteY4" fmla="*/ 18874 h 127714"/>
+              <a:gd name="connsiteX5" fmla="*/ 63857 w 127713"/>
+              <a:gd name="connsiteY5" fmla="*/ 0 h 127714"/>
+              <a:gd name="connsiteX6" fmla="*/ 0 w 127713"/>
+              <a:gd name="connsiteY6" fmla="*/ 63857 h 127714"/>
+              <a:gd name="connsiteX7" fmla="*/ 63857 w 127713"/>
+              <a:gd name="connsiteY7" fmla="*/ 127714 h 127714"/>
+              <a:gd name="connsiteX8" fmla="*/ 127713 w 127713"/>
+              <a:gd name="connsiteY8" fmla="*/ 63857 h 127714"/>
+              <a:gd name="connsiteX9" fmla="*/ 63857 w 127713"/>
+              <a:gd name="connsiteY9" fmla="*/ 0 h 127714"/>
+            </a:gdLst>
+            <a:ahLst/>
+            <a:cxnLst>
+              <a:cxn ang="0">
+                <a:pos x="connsiteX0" y="connsiteY0"/>
+              </a:cxn>
+              <a:cxn ang="0">
+                <a:pos x="connsiteX1" y="connsiteY1"/>
+              </a:cxn>
+              <a:cxn ang="0">
+                <a:pos x="connsiteX2" y="connsiteY2"/>
+              </a:cxn>
+              <a:cxn ang="0">
+                <a:pos x="connsiteX3" y="connsiteY3"/>
+              </a:cxn>
+              <a:cxn ang="0">
+                <a:pos x="connsiteX4" y="connsiteY4"/>
+              </a:cxn>
+              <a:cxn ang="0">
+                <a:pos x="connsiteX5" y="connsiteY5"/>
+              </a:cxn>
+              <a:cxn ang="0">
+                <a:pos x="connsiteX6" y="connsiteY6"/>
+              </a:cxn>
+              <a:cxn ang="0">
+                <a:pos x="connsiteX7" y="connsiteY7"/>
+              </a:cxn>
+              <a:cxn ang="0">
+                <a:pos x="connsiteX8" y="connsiteY8"/>
+              </a:cxn>
+              <a:cxn ang="0">
+                <a:pos x="connsiteX9" y="connsiteY9"/>
+              </a:cxn>
+            </a:cxnLst>
+            <a:rect l="l" t="t" r="r" b="b"/>
+            <a:pathLst>
+              <a:path w="127713" h="127714">
+                <a:moveTo>
+                  <a:pt x="63857" y="18874"/>
+                </a:moveTo>
+                <a:cubicBezTo>
+                  <a:pt x="88700" y="18874"/>
+                  <a:pt x="108839" y="39014"/>
+                  <a:pt x="108839" y="63857"/>
+                </a:cubicBezTo>
+                <a:cubicBezTo>
+                  <a:pt x="108839" y="88700"/>
+                  <a:pt x="88700" y="108840"/>
+                  <a:pt x="63857" y="108840"/>
+                </a:cubicBezTo>
+                <a:cubicBezTo>
+                  <a:pt x="39013" y="108840"/>
+                  <a:pt x="18874" y="88700"/>
+                  <a:pt x="18874" y="63857"/>
+                </a:cubicBezTo>
+                <a:cubicBezTo>
+                  <a:pt x="18898" y="39024"/>
+                  <a:pt x="39023" y="18898"/>
+                  <a:pt x="63857" y="18874"/>
+                </a:cubicBezTo>
+                <a:moveTo>
+                  <a:pt x="63857" y="0"/>
+                </a:moveTo>
+                <a:cubicBezTo>
+                  <a:pt x="28590" y="0"/>
+                  <a:pt x="0" y="28590"/>
+                  <a:pt x="0" y="63857"/>
+                </a:cubicBezTo>
+                <a:cubicBezTo>
+                  <a:pt x="0" y="99124"/>
+                  <a:pt x="28590" y="127714"/>
+                  <a:pt x="63857" y="127714"/>
+                </a:cubicBezTo>
+                <a:cubicBezTo>
+                  <a:pt x="99124" y="127714"/>
+                  <a:pt x="127713" y="99124"/>
+                  <a:pt x="127713" y="63857"/>
+                </a:cubicBezTo>
+                <a:cubicBezTo>
+                  <a:pt x="127713" y="28590"/>
+                  <a:pt x="99124" y="0"/>
+                  <a:pt x="63857" y="0"/>
+                </a:cubicBezTo>
+                <a:close/>
+              </a:path>
+            </a:pathLst>
+          </a:custGeom>
+          <a:solidFill>
+            <a:schemeClr val="bg1"/>
+          </a:solidFill>
+          <a:ln w="610" cap="flat">
+            <a:noFill/>
+            <a:prstDash val="solid"/>
+            <a:miter/>
+          </a:ln>
+        </p:spPr>
+        <p:txBody>
+          <a:bodyPr rtlCol="0" anchor="ctr"/>
+          <a:lstStyle/>
+          <a:p>
+            <a:endParaRPr lang="en-US"/>
+          </a:p>
+        </p:txBody>
+      </p:sp>
+      <p:sp>
+        <p:nvSpPr>
+          <p:cNvPr id="4" name="Titre 1">
+            <a:extLst>
+              <a:ext uri="{FF2B5EF4-FFF2-40B4-BE49-F238E27FC236}">
+                <a16:creationId xmlns:a16="http://schemas.microsoft.com/office/drawing/2014/main" id="{DB684653-D9C8-FD79-5AC2-E5EEAEDD347C}"/>
+              </a:ext>
+            </a:extLst>
+          </p:cNvPr>
+          <p:cNvSpPr txBox="1">
+            <a:spLocks/>
+          </p:cNvSpPr>
+          <p:nvPr/>
+        </p:nvSpPr>
+        <p:spPr>
+          <a:xfrm>
+            <a:off x="1188069" y="381935"/>
+            <a:ext cx="4008583" cy="5974414"/>
+          </a:xfrm>
+          <a:prstGeom prst="rect">
+            <a:avLst/>
+          </a:prstGeom>
+        </p:spPr>
+        <p:txBody>
+          <a:bodyPr vert="horz" lIns="91440" tIns="45720" rIns="91440" bIns="45720" rtlCol="0" anchor="ctr">
+            <a:normAutofit/>
+          </a:bodyPr>
+          <a:lstStyle>
+            <a:lvl1pPr algn="l" defTabSz="914400" rtl="0" eaLnBrk="1" latinLnBrk="0" hangingPunct="1">
+              <a:lnSpc>
+                <a:spcPct val="90000"/>
+              </a:lnSpc>
+              <a:spcBef>
+                <a:spcPct val="0"/>
+              </a:spcBef>
+              <a:buNone/>
+              <a:defRPr sz="4800" kern="1200">
+                <a:solidFill>
+                  <a:schemeClr val="tx1"/>
+                </a:solidFill>
+                <a:latin typeface="+mj-lt"/>
+                <a:ea typeface="+mj-ea"/>
+                <a:cs typeface="+mj-cs"/>
+              </a:defRPr>
+            </a:lvl1pPr>
+          </a:lstStyle>
+          <a:p>
+            <a:r>
+              <a:rPr lang="fr-CH" sz="5600" dirty="0" err="1">
+                <a:solidFill>
+                  <a:schemeClr val="bg1"/>
+                </a:solidFill>
+              </a:rPr>
+              <a:t>Demo</a:t>
+            </a:r>
+            <a:endParaRPr lang="fr-CH" sz="5600" dirty="0">
+              <a:solidFill>
+                <a:schemeClr val="bg1"/>
+              </a:solidFill>
+            </a:endParaRPr>
+          </a:p>
+        </p:txBody>
+      </p:sp>
+    </p:spTree>
+    <p:extLst>
+      <p:ext uri="{BB962C8B-B14F-4D97-AF65-F5344CB8AC3E}">
+        <p14:creationId xmlns:p14="http://schemas.microsoft.com/office/powerpoint/2010/main" val="3984854019"/>
+      </p:ext>
+    </p:extLst>
+  </p:cSld>
+  <p:clrMapOvr>
+    <a:masterClrMapping/>
+  </p:clrMapOvr>
+</p:sld>
+</file>
+
+<file path=ppt/slides/slide5.xml><?xml version="1.0" encoding="utf-8"?>
+<p:sld xmlns:a="http://schemas.openxmlformats.org/drawingml/2006/main" xmlns:r="http://schemas.openxmlformats.org/officeDocument/2006/relationships" xmlns:p="http://schemas.openxmlformats.org/presentationml/2006/main">
+  <p:cSld>
+    <p:bg>
+      <p:bgPr>
+        <a:solidFill>
+          <a:schemeClr val="bg1"/>
+        </a:solidFill>
+        <a:effectLst/>
+      </p:bgPr>
+    </p:bg>
+    <p:spTree>
+      <p:nvGrpSpPr>
+        <p:cNvPr id="1" name=""/>
+        <p:cNvGrpSpPr/>
+        <p:nvPr/>
+      </p:nvGrpSpPr>
+      <p:grpSpPr>
+        <a:xfrm>
+          <a:off x="0" y="0"/>
+          <a:ext cx="0" cy="0"/>
+          <a:chOff x="0" y="0"/>
+          <a:chExt cx="0" cy="0"/>
+        </a:xfrm>
+      </p:grpSpPr>
       <p:sp useBgFill="1">
         <p:nvSpPr>
           <p:cNvPr id="10" name="Rectangle 9">
@@ -6866,7 +7566,7 @@
 </p:sld>
 </file>
 
-<file path=ppt/slides/slide5.xml><?xml version="1.0" encoding="utf-8"?>
+<file path=ppt/slides/slide6.xml><?xml version="1.0" encoding="utf-8"?>
 <p:sld xmlns:a="http://schemas.openxmlformats.org/drawingml/2006/main" xmlns:r="http://schemas.openxmlformats.org/officeDocument/2006/relationships" xmlns:p="http://schemas.openxmlformats.org/presentationml/2006/main">
   <p:cSld>
     <p:bg>
@@ -7905,699 +8605,6 @@
     <p:extLst>
       <p:ext uri="{BB962C8B-B14F-4D97-AF65-F5344CB8AC3E}">
         <p14:creationId xmlns:p14="http://schemas.microsoft.com/office/powerpoint/2010/main" val="3185828139"/>
-      </p:ext>
-    </p:extLst>
-  </p:cSld>
-  <p:clrMapOvr>
-    <a:masterClrMapping/>
-  </p:clrMapOvr>
-</p:sld>
-</file>
-
-<file path=ppt/slides/slide6.xml><?xml version="1.0" encoding="utf-8"?>
-<p:sld xmlns:a="http://schemas.openxmlformats.org/drawingml/2006/main" xmlns:r="http://schemas.openxmlformats.org/officeDocument/2006/relationships" xmlns:p="http://schemas.openxmlformats.org/presentationml/2006/main">
-  <p:cSld>
-    <p:bg>
-      <p:bgPr>
-        <a:solidFill>
-          <a:schemeClr val="bg1"/>
-        </a:solidFill>
-        <a:effectLst/>
-      </p:bgPr>
-    </p:bg>
-    <p:spTree>
-      <p:nvGrpSpPr>
-        <p:cNvPr id="1" name=""/>
-        <p:cNvGrpSpPr/>
-        <p:nvPr/>
-      </p:nvGrpSpPr>
-      <p:grpSpPr>
-        <a:xfrm>
-          <a:off x="0" y="0"/>
-          <a:ext cx="0" cy="0"/>
-          <a:chOff x="0" y="0"/>
-          <a:chExt cx="0" cy="0"/>
-        </a:xfrm>
-      </p:grpSpPr>
-      <p:cxnSp>
-        <p:nvCxnSpPr>
-          <p:cNvPr id="10" name="Straight Connector 9">
-            <a:extLst>
-              <a:ext uri="{FF2B5EF4-FFF2-40B4-BE49-F238E27FC236}">
-                <a16:creationId xmlns:a16="http://schemas.microsoft.com/office/drawing/2014/main" id="{D1B787A8-0D67-4B7E-9B48-86BD906AB6B5}"/>
-              </a:ext>
-              <a:ext uri="{C183D7F6-B498-43B3-948B-1728B52AA6E4}">
-                <adec:decorative xmlns:adec="http://schemas.microsoft.com/office/drawing/2017/decorative" val="1"/>
-              </a:ext>
-            </a:extLst>
-          </p:cNvPr>
-          <p:cNvCxnSpPr>
-            <a:cxnSpLocks noGrp="1" noRot="1" noChangeAspect="1" noMove="1" noResize="1" noEditPoints="1" noAdjustHandles="1" noChangeArrowheads="1" noChangeShapeType="1"/>
-          </p:cNvCxnSpPr>
-          <p:nvPr>
-            <p:extLst>
-              <p:ext uri="{386F3935-93C4-4BCD-93E2-E3B085C9AB24}">
-                <p16:designElem xmlns:p16="http://schemas.microsoft.com/office/powerpoint/2015/main" val="1"/>
-              </p:ext>
-            </p:extLst>
-          </p:nvPr>
-        </p:nvCxnSpPr>
-        <p:spPr>
-          <a:xfrm>
-            <a:off x="715890" y="1114050"/>
-            <a:ext cx="0" cy="5735637"/>
-          </a:xfrm>
-          <a:prstGeom prst="line">
-            <a:avLst/>
-          </a:prstGeom>
-          <a:ln w="25400" cap="sq">
-            <a:gradFill flip="none" rotWithShape="1">
-              <a:gsLst>
-                <a:gs pos="0">
-                  <a:schemeClr val="accent2"/>
-                </a:gs>
-                <a:gs pos="100000">
-                  <a:schemeClr val="accent4"/>
-                </a:gs>
-              </a:gsLst>
-              <a:lin ang="16200000" scaled="1"/>
-              <a:tileRect/>
-            </a:gradFill>
-            <a:bevel/>
-          </a:ln>
-        </p:spPr>
-        <p:style>
-          <a:lnRef idx="1">
-            <a:schemeClr val="accent1"/>
-          </a:lnRef>
-          <a:fillRef idx="0">
-            <a:schemeClr val="accent1"/>
-          </a:fillRef>
-          <a:effectRef idx="0">
-            <a:schemeClr val="accent1"/>
-          </a:effectRef>
-          <a:fontRef idx="minor">
-            <a:schemeClr val="tx1"/>
-          </a:fontRef>
-        </p:style>
-      </p:cxnSp>
-      <p:sp>
-        <p:nvSpPr>
-          <p:cNvPr id="12" name="Rectangle 11">
-            <a:extLst>
-              <a:ext uri="{FF2B5EF4-FFF2-40B4-BE49-F238E27FC236}">
-                <a16:creationId xmlns:a16="http://schemas.microsoft.com/office/drawing/2014/main" id="{158B3569-73B2-4D05-8E95-886A6EE17F1F}"/>
-              </a:ext>
-              <a:ext uri="{C183D7F6-B498-43B3-948B-1728B52AA6E4}">
-                <adec:decorative xmlns:adec="http://schemas.microsoft.com/office/drawing/2017/decorative" val="1"/>
-              </a:ext>
-            </a:extLst>
-          </p:cNvPr>
-          <p:cNvSpPr>
-            <a:spLocks noGrp="1" noRot="1" noChangeAspect="1" noMove="1" noResize="1" noEditPoints="1" noAdjustHandles="1" noChangeArrowheads="1" noChangeShapeType="1" noTextEdit="1"/>
-          </p:cNvSpPr>
-          <p:nvPr>
-            <p:extLst>
-              <p:ext uri="{386F3935-93C4-4BCD-93E2-E3B085C9AB24}">
-                <p16:designElem xmlns:p16="http://schemas.microsoft.com/office/powerpoint/2015/main" val="1"/>
-              </p:ext>
-            </p:extLst>
-          </p:nvPr>
-        </p:nvSpPr>
-        <p:spPr>
-          <a:xfrm>
-            <a:off x="0" y="0"/>
-            <a:ext cx="12192000" cy="6858000"/>
-          </a:xfrm>
-          <a:prstGeom prst="rect">
-            <a:avLst/>
-          </a:prstGeom>
-          <a:gradFill flip="none" rotWithShape="1">
-            <a:gsLst>
-              <a:gs pos="100000">
-                <a:schemeClr val="accent4"/>
-              </a:gs>
-              <a:gs pos="0">
-                <a:schemeClr val="accent2"/>
-              </a:gs>
-            </a:gsLst>
-            <a:lin ang="2700000" scaled="1"/>
-            <a:tileRect/>
-          </a:gradFill>
-          <a:ln>
-            <a:noFill/>
-          </a:ln>
-        </p:spPr>
-        <p:style>
-          <a:lnRef idx="2">
-            <a:schemeClr val="accent1">
-              <a:shade val="50000"/>
-            </a:schemeClr>
-          </a:lnRef>
-          <a:fillRef idx="1">
-            <a:schemeClr val="accent1"/>
-          </a:fillRef>
-          <a:effectRef idx="0">
-            <a:schemeClr val="accent1"/>
-          </a:effectRef>
-          <a:fontRef idx="minor">
-            <a:schemeClr val="lt1"/>
-          </a:fontRef>
-        </p:style>
-        <p:txBody>
-          <a:bodyPr rtlCol="0" anchor="ctr"/>
-          <a:lstStyle/>
-          <a:p>
-            <a:pPr algn="ctr"/>
-            <a:endParaRPr lang="en-US"/>
-          </a:p>
-        </p:txBody>
-      </p:sp>
-      <p:sp>
-        <p:nvSpPr>
-          <p:cNvPr id="14" name="Graphic 17">
-            <a:extLst>
-              <a:ext uri="{FF2B5EF4-FFF2-40B4-BE49-F238E27FC236}">
-                <a16:creationId xmlns:a16="http://schemas.microsoft.com/office/drawing/2014/main" id="{B71758F4-3F46-45DA-8AC5-4E508DA080BA}"/>
-              </a:ext>
-              <a:ext uri="{C183D7F6-B498-43B3-948B-1728B52AA6E4}">
-                <adec:decorative xmlns:adec="http://schemas.microsoft.com/office/drawing/2017/decorative" val="1"/>
-              </a:ext>
-            </a:extLst>
-          </p:cNvPr>
-          <p:cNvSpPr>
-            <a:spLocks noGrp="1" noRot="1" noChangeAspect="1" noMove="1" noResize="1" noEditPoints="1" noAdjustHandles="1" noChangeArrowheads="1" noChangeShapeType="1" noTextEdit="1"/>
-          </p:cNvSpPr>
-          <p:nvPr>
-            <p:extLst>
-              <p:ext uri="{386F3935-93C4-4BCD-93E2-E3B085C9AB24}">
-                <p16:designElem xmlns:p16="http://schemas.microsoft.com/office/powerpoint/2015/main" val="1"/>
-              </p:ext>
-            </p:extLst>
-          </p:nvPr>
-        </p:nvSpPr>
-        <p:spPr>
-          <a:xfrm>
-            <a:off x="11512034" y="1267063"/>
-            <a:ext cx="139037" cy="139039"/>
-          </a:xfrm>
-          <a:custGeom>
-            <a:avLst/>
-            <a:gdLst>
-              <a:gd name="connsiteX0" fmla="*/ 129600 w 139037"/>
-              <a:gd name="connsiteY0" fmla="*/ 60082 h 139039"/>
-              <a:gd name="connsiteX1" fmla="*/ 78955 w 139037"/>
-              <a:gd name="connsiteY1" fmla="*/ 60082 h 139039"/>
-              <a:gd name="connsiteX2" fmla="*/ 78955 w 139037"/>
-              <a:gd name="connsiteY2" fmla="*/ 9437 h 139039"/>
-              <a:gd name="connsiteX3" fmla="*/ 69519 w 139037"/>
-              <a:gd name="connsiteY3" fmla="*/ 0 h 139039"/>
-              <a:gd name="connsiteX4" fmla="*/ 60082 w 139037"/>
-              <a:gd name="connsiteY4" fmla="*/ 9437 h 139039"/>
-              <a:gd name="connsiteX5" fmla="*/ 60082 w 139037"/>
-              <a:gd name="connsiteY5" fmla="*/ 60082 h 139039"/>
-              <a:gd name="connsiteX6" fmla="*/ 9437 w 139037"/>
-              <a:gd name="connsiteY6" fmla="*/ 60082 h 139039"/>
-              <a:gd name="connsiteX7" fmla="*/ 0 w 139037"/>
-              <a:gd name="connsiteY7" fmla="*/ 69520 h 139039"/>
-              <a:gd name="connsiteX8" fmla="*/ 9437 w 139037"/>
-              <a:gd name="connsiteY8" fmla="*/ 78957 h 139039"/>
-              <a:gd name="connsiteX9" fmla="*/ 60082 w 139037"/>
-              <a:gd name="connsiteY9" fmla="*/ 78957 h 139039"/>
-              <a:gd name="connsiteX10" fmla="*/ 60082 w 139037"/>
-              <a:gd name="connsiteY10" fmla="*/ 129602 h 139039"/>
-              <a:gd name="connsiteX11" fmla="*/ 69519 w 139037"/>
-              <a:gd name="connsiteY11" fmla="*/ 139039 h 139039"/>
-              <a:gd name="connsiteX12" fmla="*/ 78955 w 139037"/>
-              <a:gd name="connsiteY12" fmla="*/ 129602 h 139039"/>
-              <a:gd name="connsiteX13" fmla="*/ 78955 w 139037"/>
-              <a:gd name="connsiteY13" fmla="*/ 78957 h 139039"/>
-              <a:gd name="connsiteX14" fmla="*/ 129600 w 139037"/>
-              <a:gd name="connsiteY14" fmla="*/ 78957 h 139039"/>
-              <a:gd name="connsiteX15" fmla="*/ 139037 w 139037"/>
-              <a:gd name="connsiteY15" fmla="*/ 69520 h 139039"/>
-              <a:gd name="connsiteX16" fmla="*/ 129600 w 139037"/>
-              <a:gd name="connsiteY16" fmla="*/ 60082 h 139039"/>
-            </a:gdLst>
-            <a:ahLst/>
-            <a:cxnLst>
-              <a:cxn ang="0">
-                <a:pos x="connsiteX0" y="connsiteY0"/>
-              </a:cxn>
-              <a:cxn ang="0">
-                <a:pos x="connsiteX1" y="connsiteY1"/>
-              </a:cxn>
-              <a:cxn ang="0">
-                <a:pos x="connsiteX2" y="connsiteY2"/>
-              </a:cxn>
-              <a:cxn ang="0">
-                <a:pos x="connsiteX3" y="connsiteY3"/>
-              </a:cxn>
-              <a:cxn ang="0">
-                <a:pos x="connsiteX4" y="connsiteY4"/>
-              </a:cxn>
-              <a:cxn ang="0">
-                <a:pos x="connsiteX5" y="connsiteY5"/>
-              </a:cxn>
-              <a:cxn ang="0">
-                <a:pos x="connsiteX6" y="connsiteY6"/>
-              </a:cxn>
-              <a:cxn ang="0">
-                <a:pos x="connsiteX7" y="connsiteY7"/>
-              </a:cxn>
-              <a:cxn ang="0">
-                <a:pos x="connsiteX8" y="connsiteY8"/>
-              </a:cxn>
-              <a:cxn ang="0">
-                <a:pos x="connsiteX9" y="connsiteY9"/>
-              </a:cxn>
-              <a:cxn ang="0">
-                <a:pos x="connsiteX10" y="connsiteY10"/>
-              </a:cxn>
-              <a:cxn ang="0">
-                <a:pos x="connsiteX11" y="connsiteY11"/>
-              </a:cxn>
-              <a:cxn ang="0">
-                <a:pos x="connsiteX12" y="connsiteY12"/>
-              </a:cxn>
-              <a:cxn ang="0">
-                <a:pos x="connsiteX13" y="connsiteY13"/>
-              </a:cxn>
-              <a:cxn ang="0">
-                <a:pos x="connsiteX14" y="connsiteY14"/>
-              </a:cxn>
-              <a:cxn ang="0">
-                <a:pos x="connsiteX15" y="connsiteY15"/>
-              </a:cxn>
-              <a:cxn ang="0">
-                <a:pos x="connsiteX16" y="connsiteY16"/>
-              </a:cxn>
-            </a:cxnLst>
-            <a:rect l="l" t="t" r="r" b="b"/>
-            <a:pathLst>
-              <a:path w="139037" h="139039">
-                <a:moveTo>
-                  <a:pt x="129600" y="60082"/>
-                </a:moveTo>
-                <a:lnTo>
-                  <a:pt x="78955" y="60082"/>
-                </a:lnTo>
-                <a:lnTo>
-                  <a:pt x="78955" y="9437"/>
-                </a:lnTo>
-                <a:cubicBezTo>
-                  <a:pt x="78955" y="4225"/>
-                  <a:pt x="74730" y="0"/>
-                  <a:pt x="69519" y="0"/>
-                </a:cubicBezTo>
-                <a:cubicBezTo>
-                  <a:pt x="64307" y="0"/>
-                  <a:pt x="60082" y="4225"/>
-                  <a:pt x="60082" y="9437"/>
-                </a:cubicBezTo>
-                <a:lnTo>
-                  <a:pt x="60082" y="60082"/>
-                </a:lnTo>
-                <a:lnTo>
-                  <a:pt x="9437" y="60082"/>
-                </a:lnTo>
-                <a:cubicBezTo>
-                  <a:pt x="4225" y="60082"/>
-                  <a:pt x="0" y="64308"/>
-                  <a:pt x="0" y="69520"/>
-                </a:cubicBezTo>
-                <a:cubicBezTo>
-                  <a:pt x="0" y="74731"/>
-                  <a:pt x="4225" y="78957"/>
-                  <a:pt x="9437" y="78957"/>
-                </a:cubicBezTo>
-                <a:lnTo>
-                  <a:pt x="60082" y="78957"/>
-                </a:lnTo>
-                <a:lnTo>
-                  <a:pt x="60082" y="129602"/>
-                </a:lnTo>
-                <a:cubicBezTo>
-                  <a:pt x="60082" y="134814"/>
-                  <a:pt x="64307" y="139039"/>
-                  <a:pt x="69519" y="139039"/>
-                </a:cubicBezTo>
-                <a:cubicBezTo>
-                  <a:pt x="74730" y="139039"/>
-                  <a:pt x="78955" y="134814"/>
-                  <a:pt x="78955" y="129602"/>
-                </a:cubicBezTo>
-                <a:lnTo>
-                  <a:pt x="78955" y="78957"/>
-                </a:lnTo>
-                <a:lnTo>
-                  <a:pt x="129600" y="78957"/>
-                </a:lnTo>
-                <a:cubicBezTo>
-                  <a:pt x="134812" y="78957"/>
-                  <a:pt x="139037" y="74731"/>
-                  <a:pt x="139037" y="69520"/>
-                </a:cubicBezTo>
-                <a:cubicBezTo>
-                  <a:pt x="139037" y="64308"/>
-                  <a:pt x="134812" y="60082"/>
-                  <a:pt x="129600" y="60082"/>
-                </a:cubicBezTo>
-                <a:close/>
-              </a:path>
-            </a:pathLst>
-          </a:custGeom>
-          <a:solidFill>
-            <a:schemeClr val="bg1"/>
-          </a:solidFill>
-          <a:ln w="603" cap="flat">
-            <a:noFill/>
-            <a:prstDash val="solid"/>
-            <a:miter/>
-          </a:ln>
-        </p:spPr>
-        <p:txBody>
-          <a:bodyPr rtlCol="0" anchor="ctr"/>
-          <a:lstStyle/>
-          <a:p>
-            <a:endParaRPr lang="en-US"/>
-          </a:p>
-        </p:txBody>
-      </p:sp>
-      <p:cxnSp>
-        <p:nvCxnSpPr>
-          <p:cNvPr id="16" name="Straight Connector 15">
-            <a:extLst>
-              <a:ext uri="{FF2B5EF4-FFF2-40B4-BE49-F238E27FC236}">
-                <a16:creationId xmlns:a16="http://schemas.microsoft.com/office/drawing/2014/main" id="{56020367-4FD5-4596-8E10-C5F095CD8DBF}"/>
-              </a:ext>
-              <a:ext uri="{C183D7F6-B498-43B3-948B-1728B52AA6E4}">
-                <adec:decorative xmlns:adec="http://schemas.microsoft.com/office/drawing/2017/decorative" val="1"/>
-              </a:ext>
-            </a:extLst>
-          </p:cNvPr>
-          <p:cNvCxnSpPr>
-            <a:cxnSpLocks noGrp="1" noRot="1" noChangeAspect="1" noMove="1" noResize="1" noEditPoints="1" noAdjustHandles="1" noChangeArrowheads="1" noChangeShapeType="1"/>
-          </p:cNvCxnSpPr>
-          <p:nvPr>
-            <p:extLst>
-              <p:ext uri="{386F3935-93C4-4BCD-93E2-E3B085C9AB24}">
-                <p16:designElem xmlns:p16="http://schemas.microsoft.com/office/powerpoint/2015/main" val="1"/>
-              </p:ext>
-            </p:extLst>
-          </p:nvPr>
-        </p:nvCxnSpPr>
-        <p:spPr>
-          <a:xfrm>
-            <a:off x="5447322" y="1589368"/>
-            <a:ext cx="0" cy="5259754"/>
-          </a:xfrm>
-          <a:prstGeom prst="line">
-            <a:avLst/>
-          </a:prstGeom>
-          <a:ln w="25400" cap="sq">
-            <a:solidFill>
-              <a:schemeClr val="bg1"/>
-            </a:solidFill>
-            <a:bevel/>
-          </a:ln>
-        </p:spPr>
-        <p:style>
-          <a:lnRef idx="1">
-            <a:schemeClr val="accent1"/>
-          </a:lnRef>
-          <a:fillRef idx="0">
-            <a:schemeClr val="accent1"/>
-          </a:fillRef>
-          <a:effectRef idx="0">
-            <a:schemeClr val="accent1"/>
-          </a:effectRef>
-          <a:fontRef idx="minor">
-            <a:schemeClr val="tx1"/>
-          </a:fontRef>
-        </p:style>
-      </p:cxnSp>
-      <p:pic>
-        <p:nvPicPr>
-          <p:cNvPr id="7" name="Graphic 6" descr="Écran">
-            <a:extLst>
-              <a:ext uri="{FF2B5EF4-FFF2-40B4-BE49-F238E27FC236}">
-                <a16:creationId xmlns:a16="http://schemas.microsoft.com/office/drawing/2014/main" id="{AF58664B-C827-513A-E140-99DED95C97B3}"/>
-              </a:ext>
-            </a:extLst>
-          </p:cNvPr>
-          <p:cNvPicPr>
-            <a:picLocks noChangeAspect="1"/>
-          </p:cNvPicPr>
-          <p:nvPr/>
-        </p:nvPicPr>
-        <p:blipFill>
-          <a:blip r:embed="rId2">
-            <a:extLst>
-              <a:ext uri="{28A0092B-C50C-407E-A947-70E740481C1C}">
-                <a14:useLocalDpi xmlns:a14="http://schemas.microsoft.com/office/drawing/2010/main" val="0"/>
-              </a:ext>
-              <a:ext uri="{96DAC541-7B7A-43D3-8B79-37D633B846F1}">
-                <asvg:svgBlip xmlns:asvg="http://schemas.microsoft.com/office/drawing/2016/SVG/main" r:embed="rId3"/>
-              </a:ext>
-            </a:extLst>
-          </a:blip>
-          <a:stretch>
-            <a:fillRect/>
-          </a:stretch>
-        </p:blipFill>
-        <p:spPr>
-          <a:xfrm>
-            <a:off x="6380106" y="1598246"/>
-            <a:ext cx="4783504" cy="4783504"/>
-          </a:xfrm>
-          <a:prstGeom prst="rect">
-            <a:avLst/>
-          </a:prstGeom>
-        </p:spPr>
-      </p:pic>
-      <p:sp>
-        <p:nvSpPr>
-          <p:cNvPr id="18" name="Graphic 21">
-            <a:extLst>
-              <a:ext uri="{FF2B5EF4-FFF2-40B4-BE49-F238E27FC236}">
-                <a16:creationId xmlns:a16="http://schemas.microsoft.com/office/drawing/2014/main" id="{8D61482F-F3C5-4D66-8C5D-C6BBE3E1275C}"/>
-              </a:ext>
-              <a:ext uri="{C183D7F6-B498-43B3-948B-1728B52AA6E4}">
-                <adec:decorative xmlns:adec="http://schemas.microsoft.com/office/drawing/2017/decorative" val="1"/>
-              </a:ext>
-            </a:extLst>
-          </p:cNvPr>
-          <p:cNvSpPr>
-            <a:spLocks noGrp="1" noRot="1" noChangeAspect="1" noMove="1" noResize="1" noEditPoints="1" noAdjustHandles="1" noChangeArrowheads="1" noChangeShapeType="1" noTextEdit="1"/>
-          </p:cNvSpPr>
-          <p:nvPr>
-            <p:extLst>
-              <p:ext uri="{386F3935-93C4-4BCD-93E2-E3B085C9AB24}">
-                <p16:designElem xmlns:p16="http://schemas.microsoft.com/office/powerpoint/2015/main" val="1"/>
-              </p:ext>
-            </p:extLst>
-          </p:nvPr>
-        </p:nvSpPr>
-        <p:spPr>
-          <a:xfrm>
-            <a:off x="11752801" y="1659316"/>
-            <a:ext cx="127713" cy="127714"/>
-          </a:xfrm>
-          <a:custGeom>
-            <a:avLst/>
-            <a:gdLst>
-              <a:gd name="connsiteX0" fmla="*/ 63857 w 127713"/>
-              <a:gd name="connsiteY0" fmla="*/ 18874 h 127714"/>
-              <a:gd name="connsiteX1" fmla="*/ 108839 w 127713"/>
-              <a:gd name="connsiteY1" fmla="*/ 63857 h 127714"/>
-              <a:gd name="connsiteX2" fmla="*/ 63857 w 127713"/>
-              <a:gd name="connsiteY2" fmla="*/ 108840 h 127714"/>
-              <a:gd name="connsiteX3" fmla="*/ 18874 w 127713"/>
-              <a:gd name="connsiteY3" fmla="*/ 63857 h 127714"/>
-              <a:gd name="connsiteX4" fmla="*/ 63857 w 127713"/>
-              <a:gd name="connsiteY4" fmla="*/ 18874 h 127714"/>
-              <a:gd name="connsiteX5" fmla="*/ 63857 w 127713"/>
-              <a:gd name="connsiteY5" fmla="*/ 0 h 127714"/>
-              <a:gd name="connsiteX6" fmla="*/ 0 w 127713"/>
-              <a:gd name="connsiteY6" fmla="*/ 63857 h 127714"/>
-              <a:gd name="connsiteX7" fmla="*/ 63857 w 127713"/>
-              <a:gd name="connsiteY7" fmla="*/ 127714 h 127714"/>
-              <a:gd name="connsiteX8" fmla="*/ 127713 w 127713"/>
-              <a:gd name="connsiteY8" fmla="*/ 63857 h 127714"/>
-              <a:gd name="connsiteX9" fmla="*/ 63857 w 127713"/>
-              <a:gd name="connsiteY9" fmla="*/ 0 h 127714"/>
-            </a:gdLst>
-            <a:ahLst/>
-            <a:cxnLst>
-              <a:cxn ang="0">
-                <a:pos x="connsiteX0" y="connsiteY0"/>
-              </a:cxn>
-              <a:cxn ang="0">
-                <a:pos x="connsiteX1" y="connsiteY1"/>
-              </a:cxn>
-              <a:cxn ang="0">
-                <a:pos x="connsiteX2" y="connsiteY2"/>
-              </a:cxn>
-              <a:cxn ang="0">
-                <a:pos x="connsiteX3" y="connsiteY3"/>
-              </a:cxn>
-              <a:cxn ang="0">
-                <a:pos x="connsiteX4" y="connsiteY4"/>
-              </a:cxn>
-              <a:cxn ang="0">
-                <a:pos x="connsiteX5" y="connsiteY5"/>
-              </a:cxn>
-              <a:cxn ang="0">
-                <a:pos x="connsiteX6" y="connsiteY6"/>
-              </a:cxn>
-              <a:cxn ang="0">
-                <a:pos x="connsiteX7" y="connsiteY7"/>
-              </a:cxn>
-              <a:cxn ang="0">
-                <a:pos x="connsiteX8" y="connsiteY8"/>
-              </a:cxn>
-              <a:cxn ang="0">
-                <a:pos x="connsiteX9" y="connsiteY9"/>
-              </a:cxn>
-            </a:cxnLst>
-            <a:rect l="l" t="t" r="r" b="b"/>
-            <a:pathLst>
-              <a:path w="127713" h="127714">
-                <a:moveTo>
-                  <a:pt x="63857" y="18874"/>
-                </a:moveTo>
-                <a:cubicBezTo>
-                  <a:pt x="88700" y="18874"/>
-                  <a:pt x="108839" y="39014"/>
-                  <a:pt x="108839" y="63857"/>
-                </a:cubicBezTo>
-                <a:cubicBezTo>
-                  <a:pt x="108839" y="88700"/>
-                  <a:pt x="88700" y="108840"/>
-                  <a:pt x="63857" y="108840"/>
-                </a:cubicBezTo>
-                <a:cubicBezTo>
-                  <a:pt x="39013" y="108840"/>
-                  <a:pt x="18874" y="88700"/>
-                  <a:pt x="18874" y="63857"/>
-                </a:cubicBezTo>
-                <a:cubicBezTo>
-                  <a:pt x="18898" y="39024"/>
-                  <a:pt x="39023" y="18898"/>
-                  <a:pt x="63857" y="18874"/>
-                </a:cubicBezTo>
-                <a:moveTo>
-                  <a:pt x="63857" y="0"/>
-                </a:moveTo>
-                <a:cubicBezTo>
-                  <a:pt x="28590" y="0"/>
-                  <a:pt x="0" y="28590"/>
-                  <a:pt x="0" y="63857"/>
-                </a:cubicBezTo>
-                <a:cubicBezTo>
-                  <a:pt x="0" y="99124"/>
-                  <a:pt x="28590" y="127714"/>
-                  <a:pt x="63857" y="127714"/>
-                </a:cubicBezTo>
-                <a:cubicBezTo>
-                  <a:pt x="99124" y="127714"/>
-                  <a:pt x="127713" y="99124"/>
-                  <a:pt x="127713" y="63857"/>
-                </a:cubicBezTo>
-                <a:cubicBezTo>
-                  <a:pt x="127713" y="28590"/>
-                  <a:pt x="99124" y="0"/>
-                  <a:pt x="63857" y="0"/>
-                </a:cubicBezTo>
-                <a:close/>
-              </a:path>
-            </a:pathLst>
-          </a:custGeom>
-          <a:solidFill>
-            <a:schemeClr val="bg1"/>
-          </a:solidFill>
-          <a:ln w="610" cap="flat">
-            <a:noFill/>
-            <a:prstDash val="solid"/>
-            <a:miter/>
-          </a:ln>
-        </p:spPr>
-        <p:txBody>
-          <a:bodyPr rtlCol="0" anchor="ctr"/>
-          <a:lstStyle/>
-          <a:p>
-            <a:endParaRPr lang="en-US"/>
-          </a:p>
-        </p:txBody>
-      </p:sp>
-      <p:sp>
-        <p:nvSpPr>
-          <p:cNvPr id="4" name="Titre 1">
-            <a:extLst>
-              <a:ext uri="{FF2B5EF4-FFF2-40B4-BE49-F238E27FC236}">
-                <a16:creationId xmlns:a16="http://schemas.microsoft.com/office/drawing/2014/main" id="{DB684653-D9C8-FD79-5AC2-E5EEAEDD347C}"/>
-              </a:ext>
-            </a:extLst>
-          </p:cNvPr>
-          <p:cNvSpPr txBox="1">
-            <a:spLocks/>
-          </p:cNvSpPr>
-          <p:nvPr/>
-        </p:nvSpPr>
-        <p:spPr>
-          <a:xfrm>
-            <a:off x="1188069" y="381935"/>
-            <a:ext cx="4008583" cy="5974414"/>
-          </a:xfrm>
-          <a:prstGeom prst="rect">
-            <a:avLst/>
-          </a:prstGeom>
-        </p:spPr>
-        <p:txBody>
-          <a:bodyPr vert="horz" lIns="91440" tIns="45720" rIns="91440" bIns="45720" rtlCol="0" anchor="ctr">
-            <a:normAutofit/>
-          </a:bodyPr>
-          <a:lstStyle>
-            <a:lvl1pPr algn="l" defTabSz="914400" rtl="0" eaLnBrk="1" latinLnBrk="0" hangingPunct="1">
-              <a:lnSpc>
-                <a:spcPct val="90000"/>
-              </a:lnSpc>
-              <a:spcBef>
-                <a:spcPct val="0"/>
-              </a:spcBef>
-              <a:buNone/>
-              <a:defRPr sz="4800" kern="1200">
-                <a:solidFill>
-                  <a:schemeClr val="tx1"/>
-                </a:solidFill>
-                <a:latin typeface="+mj-lt"/>
-                <a:ea typeface="+mj-ea"/>
-                <a:cs typeface="+mj-cs"/>
-              </a:defRPr>
-            </a:lvl1pPr>
-          </a:lstStyle>
-          <a:p>
-            <a:r>
-              <a:rPr lang="fr-CH" sz="5600" dirty="0" err="1">
-                <a:solidFill>
-                  <a:schemeClr val="bg1"/>
-                </a:solidFill>
-              </a:rPr>
-              <a:t>Demo</a:t>
-            </a:r>
-            <a:endParaRPr lang="fr-CH" sz="5600" dirty="0">
-              <a:solidFill>
-                <a:schemeClr val="bg1"/>
-              </a:solidFill>
-            </a:endParaRPr>
-          </a:p>
-        </p:txBody>
-      </p:sp>
-    </p:spTree>
-    <p:extLst>
-      <p:ext uri="{BB962C8B-B14F-4D97-AF65-F5344CB8AC3E}">
-        <p14:creationId xmlns:p14="http://schemas.microsoft.com/office/powerpoint/2010/main" val="3984854019"/>
       </p:ext>
     </p:extLst>
   </p:cSld>
